--- a/Capita Selecta.pptx
+++ b/Capita Selecta.pptx
@@ -7,6 +7,19 @@
   <p:sldIdLst>
     <p:sldId id="256" r:id="rId2"/>
     <p:sldId id="257" r:id="rId3"/>
+    <p:sldId id="258" r:id="rId4"/>
+    <p:sldId id="270" r:id="rId5"/>
+    <p:sldId id="263" r:id="rId6"/>
+    <p:sldId id="268" r:id="rId7"/>
+    <p:sldId id="272" r:id="rId8"/>
+    <p:sldId id="264" r:id="rId9"/>
+    <p:sldId id="265" r:id="rId10"/>
+    <p:sldId id="267" r:id="rId11"/>
+    <p:sldId id="260" r:id="rId12"/>
+    <p:sldId id="259" r:id="rId13"/>
+    <p:sldId id="261" r:id="rId14"/>
+    <p:sldId id="266" r:id="rId15"/>
+    <p:sldId id="269" r:id="rId16"/>
   </p:sldIdLst>
   <p:sldSz cx="12192000" cy="6858000"/>
   <p:notesSz cx="6858000" cy="9144000"/>
@@ -105,6 +118,11 @@
       </a:defRPr>
     </a:lvl9pPr>
   </p:defaultTextStyle>
+  <p:extLst>
+    <p:ext uri="{EFAFB233-063F-42B5-8137-9DF3F51BA10A}">
+      <p15:sldGuideLst xmlns:p15="http://schemas.microsoft.com/office/powerpoint/2012/main"/>
+    </p:ext>
+  </p:extLst>
 </p:presentation>
 </file>
 
@@ -257,7 +275,7 @@
           <a:p>
             <a:fld id="{6C93AC37-3ACB-48A5-82F5-3304D8B83337}" type="datetimeFigureOut">
               <a:rPr lang="en-BE" smtClean="0"/>
-              <a:t>28/03/2021</a:t>
+              <a:t>02/04/2021</a:t>
             </a:fld>
             <a:endParaRPr lang="en-BE"/>
           </a:p>
@@ -457,7 +475,7 @@
           <a:p>
             <a:fld id="{6C93AC37-3ACB-48A5-82F5-3304D8B83337}" type="datetimeFigureOut">
               <a:rPr lang="en-BE" smtClean="0"/>
-              <a:t>28/03/2021</a:t>
+              <a:t>02/04/2021</a:t>
             </a:fld>
             <a:endParaRPr lang="en-BE"/>
           </a:p>
@@ -667,7 +685,7 @@
           <a:p>
             <a:fld id="{6C93AC37-3ACB-48A5-82F5-3304D8B83337}" type="datetimeFigureOut">
               <a:rPr lang="en-BE" smtClean="0"/>
-              <a:t>28/03/2021</a:t>
+              <a:t>02/04/2021</a:t>
             </a:fld>
             <a:endParaRPr lang="en-BE"/>
           </a:p>
@@ -867,7 +885,7 @@
           <a:p>
             <a:fld id="{6C93AC37-3ACB-48A5-82F5-3304D8B83337}" type="datetimeFigureOut">
               <a:rPr lang="en-BE" smtClean="0"/>
-              <a:t>28/03/2021</a:t>
+              <a:t>02/04/2021</a:t>
             </a:fld>
             <a:endParaRPr lang="en-BE"/>
           </a:p>
@@ -1143,7 +1161,7 @@
           <a:p>
             <a:fld id="{6C93AC37-3ACB-48A5-82F5-3304D8B83337}" type="datetimeFigureOut">
               <a:rPr lang="en-BE" smtClean="0"/>
-              <a:t>28/03/2021</a:t>
+              <a:t>02/04/2021</a:t>
             </a:fld>
             <a:endParaRPr lang="en-BE"/>
           </a:p>
@@ -1411,7 +1429,7 @@
           <a:p>
             <a:fld id="{6C93AC37-3ACB-48A5-82F5-3304D8B83337}" type="datetimeFigureOut">
               <a:rPr lang="en-BE" smtClean="0"/>
-              <a:t>28/03/2021</a:t>
+              <a:t>02/04/2021</a:t>
             </a:fld>
             <a:endParaRPr lang="en-BE"/>
           </a:p>
@@ -1826,7 +1844,7 @@
           <a:p>
             <a:fld id="{6C93AC37-3ACB-48A5-82F5-3304D8B83337}" type="datetimeFigureOut">
               <a:rPr lang="en-BE" smtClean="0"/>
-              <a:t>28/03/2021</a:t>
+              <a:t>02/04/2021</a:t>
             </a:fld>
             <a:endParaRPr lang="en-BE"/>
           </a:p>
@@ -1968,7 +1986,7 @@
           <a:p>
             <a:fld id="{6C93AC37-3ACB-48A5-82F5-3304D8B83337}" type="datetimeFigureOut">
               <a:rPr lang="en-BE" smtClean="0"/>
-              <a:t>28/03/2021</a:t>
+              <a:t>02/04/2021</a:t>
             </a:fld>
             <a:endParaRPr lang="en-BE"/>
           </a:p>
@@ -2081,7 +2099,7 @@
           <a:p>
             <a:fld id="{6C93AC37-3ACB-48A5-82F5-3304D8B83337}" type="datetimeFigureOut">
               <a:rPr lang="en-BE" smtClean="0"/>
-              <a:t>28/03/2021</a:t>
+              <a:t>02/04/2021</a:t>
             </a:fld>
             <a:endParaRPr lang="en-BE"/>
           </a:p>
@@ -2394,7 +2412,7 @@
           <a:p>
             <a:fld id="{6C93AC37-3ACB-48A5-82F5-3304D8B83337}" type="datetimeFigureOut">
               <a:rPr lang="en-BE" smtClean="0"/>
-              <a:t>28/03/2021</a:t>
+              <a:t>02/04/2021</a:t>
             </a:fld>
             <a:endParaRPr lang="en-BE"/>
           </a:p>
@@ -2683,7 +2701,7 @@
           <a:p>
             <a:fld id="{6C93AC37-3ACB-48A5-82F5-3304D8B83337}" type="datetimeFigureOut">
               <a:rPr lang="en-BE" smtClean="0"/>
-              <a:t>28/03/2021</a:t>
+              <a:t>02/04/2021</a:t>
             </a:fld>
             <a:endParaRPr lang="en-BE"/>
           </a:p>
@@ -2926,7 +2944,7 @@
           <a:p>
             <a:fld id="{6C93AC37-3ACB-48A5-82F5-3304D8B83337}" type="datetimeFigureOut">
               <a:rPr lang="en-BE" smtClean="0"/>
-              <a:t>28/03/2021</a:t>
+              <a:t>02/04/2021</a:t>
             </a:fld>
             <a:endParaRPr lang="en-BE"/>
           </a:p>
@@ -3440,6 +3458,589 @@
 </p:sld>
 </file>
 
+<file path=ppt/slides/slide10.xml><?xml version="1.0" encoding="utf-8"?>
+<p:sld xmlns:a="http://schemas.openxmlformats.org/drawingml/2006/main" xmlns:r="http://schemas.openxmlformats.org/officeDocument/2006/relationships" xmlns:p="http://schemas.openxmlformats.org/presentationml/2006/main">
+  <p:cSld>
+    <p:spTree>
+      <p:nvGrpSpPr>
+        <p:cNvPr id="1" name=""/>
+        <p:cNvGrpSpPr/>
+        <p:nvPr/>
+      </p:nvGrpSpPr>
+      <p:grpSpPr>
+        <a:xfrm>
+          <a:off x="0" y="0"/>
+          <a:ext cx="0" cy="0"/>
+          <a:chOff x="0" y="0"/>
+          <a:chExt cx="0" cy="0"/>
+        </a:xfrm>
+      </p:grpSpPr>
+      <p:pic>
+        <p:nvPicPr>
+          <p:cNvPr id="7" name="Content Placeholder 6">
+            <a:extLst>
+              <a:ext uri="{FF2B5EF4-FFF2-40B4-BE49-F238E27FC236}">
+                <a16:creationId xmlns:a16="http://schemas.microsoft.com/office/drawing/2014/main" id="{ED41A2DF-0BAB-4440-BD1D-7BD3293EFC33}"/>
+              </a:ext>
+            </a:extLst>
+          </p:cNvPr>
+          <p:cNvPicPr>
+            <a:picLocks noGrp="1" noChangeAspect="1"/>
+          </p:cNvPicPr>
+          <p:nvPr>
+            <p:ph idx="1"/>
+          </p:nvPr>
+        </p:nvPicPr>
+        <p:blipFill>
+          <a:blip r:embed="rId2"/>
+          <a:stretch>
+            <a:fillRect/>
+          </a:stretch>
+        </p:blipFill>
+        <p:spPr>
+          <a:xfrm>
+            <a:off x="120926" y="2195552"/>
+            <a:ext cx="11950148" cy="3219728"/>
+          </a:xfrm>
+        </p:spPr>
+      </p:pic>
+      <p:sp>
+        <p:nvSpPr>
+          <p:cNvPr id="8" name="Title 1">
+            <a:extLst>
+              <a:ext uri="{FF2B5EF4-FFF2-40B4-BE49-F238E27FC236}">
+                <a16:creationId xmlns:a16="http://schemas.microsoft.com/office/drawing/2014/main" id="{6C8FE29E-D739-45E7-8B74-4C0A556928AA}"/>
+              </a:ext>
+            </a:extLst>
+          </p:cNvPr>
+          <p:cNvSpPr>
+            <a:spLocks noGrp="1"/>
+          </p:cNvSpPr>
+          <p:nvPr>
+            <p:ph type="title"/>
+          </p:nvPr>
+        </p:nvSpPr>
+        <p:spPr>
+          <a:xfrm>
+            <a:off x="838200" y="25760"/>
+            <a:ext cx="10515600" cy="1325563"/>
+          </a:xfrm>
+        </p:spPr>
+        <p:txBody>
+          <a:bodyPr/>
+          <a:lstStyle/>
+          <a:p>
+            <a:r>
+              <a:rPr lang="en-GB" dirty="0"/>
+              <a:t>Results</a:t>
+            </a:r>
+          </a:p>
+        </p:txBody>
+      </p:sp>
+    </p:spTree>
+    <p:extLst>
+      <p:ext uri="{BB962C8B-B14F-4D97-AF65-F5344CB8AC3E}">
+        <p14:creationId xmlns:p14="http://schemas.microsoft.com/office/powerpoint/2010/main" val="830820255"/>
+      </p:ext>
+    </p:extLst>
+  </p:cSld>
+  <p:clrMapOvr>
+    <a:masterClrMapping/>
+  </p:clrMapOvr>
+</p:sld>
+</file>
+
+<file path=ppt/slides/slide11.xml><?xml version="1.0" encoding="utf-8"?>
+<p:sld xmlns:a="http://schemas.openxmlformats.org/drawingml/2006/main" xmlns:r="http://schemas.openxmlformats.org/officeDocument/2006/relationships" xmlns:p="http://schemas.openxmlformats.org/presentationml/2006/main">
+  <p:cSld>
+    <p:spTree>
+      <p:nvGrpSpPr>
+        <p:cNvPr id="1" name=""/>
+        <p:cNvGrpSpPr/>
+        <p:nvPr/>
+      </p:nvGrpSpPr>
+      <p:grpSpPr>
+        <a:xfrm>
+          <a:off x="0" y="0"/>
+          <a:ext cx="0" cy="0"/>
+          <a:chOff x="0" y="0"/>
+          <a:chExt cx="0" cy="0"/>
+        </a:xfrm>
+      </p:grpSpPr>
+      <p:sp>
+        <p:nvSpPr>
+          <p:cNvPr id="2" name="Title 1">
+            <a:extLst>
+              <a:ext uri="{FF2B5EF4-FFF2-40B4-BE49-F238E27FC236}">
+                <a16:creationId xmlns:a16="http://schemas.microsoft.com/office/drawing/2014/main" id="{A68F11DB-3441-4A5A-916A-2181C668EEFB}"/>
+              </a:ext>
+            </a:extLst>
+          </p:cNvPr>
+          <p:cNvSpPr>
+            <a:spLocks noGrp="1"/>
+          </p:cNvSpPr>
+          <p:nvPr>
+            <p:ph type="ctrTitle"/>
+          </p:nvPr>
+        </p:nvSpPr>
+        <p:spPr/>
+        <p:txBody>
+          <a:bodyPr/>
+          <a:lstStyle/>
+          <a:p>
+            <a:r>
+              <a:rPr lang="en-GB" dirty="0"/>
+              <a:t>Conclusion </a:t>
+            </a:r>
+          </a:p>
+        </p:txBody>
+      </p:sp>
+      <p:sp>
+        <p:nvSpPr>
+          <p:cNvPr id="3" name="Subtitle 2">
+            <a:extLst>
+              <a:ext uri="{FF2B5EF4-FFF2-40B4-BE49-F238E27FC236}">
+                <a16:creationId xmlns:a16="http://schemas.microsoft.com/office/drawing/2014/main" id="{93C3777C-3AD8-4FE5-BC97-552D6E2C7F94}"/>
+              </a:ext>
+            </a:extLst>
+          </p:cNvPr>
+          <p:cNvSpPr>
+            <a:spLocks noGrp="1"/>
+          </p:cNvSpPr>
+          <p:nvPr>
+            <p:ph type="subTitle" idx="1"/>
+          </p:nvPr>
+        </p:nvSpPr>
+        <p:spPr>
+          <a:xfrm>
+            <a:off x="3990974" y="3765549"/>
+            <a:ext cx="8277225" cy="1970088"/>
+          </a:xfrm>
+        </p:spPr>
+        <p:txBody>
+          <a:bodyPr/>
+          <a:lstStyle/>
+          <a:p>
+            <a:pPr marL="342900" indent="-342900" algn="l">
+              <a:buFont typeface="Arial" panose="020B0604020202020204" pitchFamily="34" charset="0"/>
+              <a:buChar char="•"/>
+            </a:pPr>
+            <a:r>
+              <a:rPr lang="en-GB" dirty="0"/>
+              <a:t>Relatively easier to scale</a:t>
+            </a:r>
+          </a:p>
+          <a:p>
+            <a:pPr marL="342900" indent="-342900" algn="l">
+              <a:buFont typeface="Arial" panose="020B0604020202020204" pitchFamily="34" charset="0"/>
+              <a:buChar char="•"/>
+            </a:pPr>
+            <a:r>
+              <a:rPr lang="en-GB" dirty="0"/>
+              <a:t>Better performance</a:t>
+            </a:r>
+          </a:p>
+          <a:p>
+            <a:pPr marL="342900" indent="-342900" algn="l">
+              <a:buFont typeface="Arial" panose="020B0604020202020204" pitchFamily="34" charset="0"/>
+              <a:buChar char="•"/>
+            </a:pPr>
+            <a:r>
+              <a:rPr lang="en-GB" dirty="0"/>
+              <a:t>Incorporating logic is promising</a:t>
+            </a:r>
+          </a:p>
+          <a:p>
+            <a:pPr marL="342900" indent="-342900" algn="l">
+              <a:buFont typeface="Arial" panose="020B0604020202020204" pitchFamily="34" charset="0"/>
+              <a:buChar char="•"/>
+            </a:pPr>
+            <a:endParaRPr lang="en-GB" dirty="0"/>
+          </a:p>
+          <a:p>
+            <a:pPr marL="342900" indent="-342900" algn="l">
+              <a:buFont typeface="Arial" panose="020B0604020202020204" pitchFamily="34" charset="0"/>
+              <a:buChar char="•"/>
+            </a:pPr>
+            <a:endParaRPr lang="en-GB" dirty="0"/>
+          </a:p>
+          <a:p>
+            <a:pPr marL="342900" indent="-342900">
+              <a:buFont typeface="Arial" panose="020B0604020202020204" pitchFamily="34" charset="0"/>
+              <a:buChar char="•"/>
+            </a:pPr>
+            <a:endParaRPr lang="en-GB" dirty="0"/>
+          </a:p>
+        </p:txBody>
+      </p:sp>
+    </p:spTree>
+    <p:extLst>
+      <p:ext uri="{BB962C8B-B14F-4D97-AF65-F5344CB8AC3E}">
+        <p14:creationId xmlns:p14="http://schemas.microsoft.com/office/powerpoint/2010/main" val="2386388936"/>
+      </p:ext>
+    </p:extLst>
+  </p:cSld>
+  <p:clrMapOvr>
+    <a:masterClrMapping/>
+  </p:clrMapOvr>
+</p:sld>
+</file>
+
+<file path=ppt/slides/slide12.xml><?xml version="1.0" encoding="utf-8"?>
+<p:sld xmlns:a="http://schemas.openxmlformats.org/drawingml/2006/main" xmlns:r="http://schemas.openxmlformats.org/officeDocument/2006/relationships" xmlns:p="http://schemas.openxmlformats.org/presentationml/2006/main">
+  <p:cSld>
+    <p:spTree>
+      <p:nvGrpSpPr>
+        <p:cNvPr id="1" name=""/>
+        <p:cNvGrpSpPr/>
+        <p:nvPr/>
+      </p:nvGrpSpPr>
+      <p:grpSpPr>
+        <a:xfrm>
+          <a:off x="0" y="0"/>
+          <a:ext cx="0" cy="0"/>
+          <a:chOff x="0" y="0"/>
+          <a:chExt cx="0" cy="0"/>
+        </a:xfrm>
+      </p:grpSpPr>
+      <p:sp>
+        <p:nvSpPr>
+          <p:cNvPr id="2" name="Title 1">
+            <a:extLst>
+              <a:ext uri="{FF2B5EF4-FFF2-40B4-BE49-F238E27FC236}">
+                <a16:creationId xmlns:a16="http://schemas.microsoft.com/office/drawing/2014/main" id="{28AF79D5-E359-459D-B4F8-3B750ABB1DC6}"/>
+              </a:ext>
+            </a:extLst>
+          </p:cNvPr>
+          <p:cNvSpPr>
+            <a:spLocks noGrp="1"/>
+          </p:cNvSpPr>
+          <p:nvPr>
+            <p:ph type="title"/>
+          </p:nvPr>
+        </p:nvSpPr>
+        <p:spPr/>
+        <p:txBody>
+          <a:bodyPr/>
+          <a:lstStyle/>
+          <a:p>
+            <a:endParaRPr lang="en-GB" dirty="0"/>
+          </a:p>
+        </p:txBody>
+      </p:sp>
+      <p:pic>
+        <p:nvPicPr>
+          <p:cNvPr id="5" name="Content Placeholder 4">
+            <a:extLst>
+              <a:ext uri="{FF2B5EF4-FFF2-40B4-BE49-F238E27FC236}">
+                <a16:creationId xmlns:a16="http://schemas.microsoft.com/office/drawing/2014/main" id="{03DE6D4F-5563-4D0B-A9A5-A5116A96C1B6}"/>
+              </a:ext>
+            </a:extLst>
+          </p:cNvPr>
+          <p:cNvPicPr>
+            <a:picLocks noGrp="1" noChangeAspect="1"/>
+          </p:cNvPicPr>
+          <p:nvPr>
+            <p:ph idx="1"/>
+          </p:nvPr>
+        </p:nvPicPr>
+        <p:blipFill>
+          <a:blip r:embed="rId2"/>
+          <a:stretch>
+            <a:fillRect/>
+          </a:stretch>
+        </p:blipFill>
+        <p:spPr>
+          <a:xfrm>
+            <a:off x="1310542" y="1976131"/>
+            <a:ext cx="10544326" cy="3255745"/>
+          </a:xfrm>
+        </p:spPr>
+      </p:pic>
+    </p:spTree>
+    <p:extLst>
+      <p:ext uri="{BB962C8B-B14F-4D97-AF65-F5344CB8AC3E}">
+        <p14:creationId xmlns:p14="http://schemas.microsoft.com/office/powerpoint/2010/main" val="544942804"/>
+      </p:ext>
+    </p:extLst>
+  </p:cSld>
+  <p:clrMapOvr>
+    <a:masterClrMapping/>
+  </p:clrMapOvr>
+</p:sld>
+</file>
+
+<file path=ppt/slides/slide13.xml><?xml version="1.0" encoding="utf-8"?>
+<p:sld xmlns:a="http://schemas.openxmlformats.org/drawingml/2006/main" xmlns:r="http://schemas.openxmlformats.org/officeDocument/2006/relationships" xmlns:p="http://schemas.openxmlformats.org/presentationml/2006/main">
+  <p:cSld>
+    <p:spTree>
+      <p:nvGrpSpPr>
+        <p:cNvPr id="1" name=""/>
+        <p:cNvGrpSpPr/>
+        <p:nvPr/>
+      </p:nvGrpSpPr>
+      <p:grpSpPr>
+        <a:xfrm>
+          <a:off x="0" y="0"/>
+          <a:ext cx="0" cy="0"/>
+          <a:chOff x="0" y="0"/>
+          <a:chExt cx="0" cy="0"/>
+        </a:xfrm>
+      </p:grpSpPr>
+      <p:pic>
+        <p:nvPicPr>
+          <p:cNvPr id="5" name="Content Placeholder 4">
+            <a:extLst>
+              <a:ext uri="{FF2B5EF4-FFF2-40B4-BE49-F238E27FC236}">
+                <a16:creationId xmlns:a16="http://schemas.microsoft.com/office/drawing/2014/main" id="{A97C90A7-1CEA-4510-BFB2-E52B25F7FA63}"/>
+              </a:ext>
+            </a:extLst>
+          </p:cNvPr>
+          <p:cNvPicPr>
+            <a:picLocks noGrp="1" noChangeAspect="1"/>
+          </p:cNvPicPr>
+          <p:nvPr>
+            <p:ph idx="1"/>
+          </p:nvPr>
+        </p:nvPicPr>
+        <p:blipFill rotWithShape="1">
+          <a:blip r:embed="rId2"/>
+          <a:srcRect b="50660"/>
+          <a:stretch/>
+        </p:blipFill>
+        <p:spPr>
+          <a:xfrm>
+            <a:off x="2479040" y="508000"/>
+            <a:ext cx="7428841" cy="3980539"/>
+          </a:xfrm>
+        </p:spPr>
+      </p:pic>
+      <p:pic>
+        <p:nvPicPr>
+          <p:cNvPr id="7" name="Picture 6">
+            <a:extLst>
+              <a:ext uri="{FF2B5EF4-FFF2-40B4-BE49-F238E27FC236}">
+                <a16:creationId xmlns:a16="http://schemas.microsoft.com/office/drawing/2014/main" id="{50801772-7815-471C-9D86-B101F3A96AA8}"/>
+              </a:ext>
+            </a:extLst>
+          </p:cNvPr>
+          <p:cNvPicPr>
+            <a:picLocks noChangeAspect="1"/>
+          </p:cNvPicPr>
+          <p:nvPr/>
+        </p:nvPicPr>
+        <p:blipFill rotWithShape="1">
+          <a:blip r:embed="rId2"/>
+          <a:srcRect t="78070"/>
+          <a:stretch/>
+        </p:blipFill>
+        <p:spPr>
+          <a:xfrm>
+            <a:off x="2479040" y="4488539"/>
+            <a:ext cx="7428841" cy="1769200"/>
+          </a:xfrm>
+          <a:prstGeom prst="rect">
+            <a:avLst/>
+          </a:prstGeom>
+        </p:spPr>
+      </p:pic>
+    </p:spTree>
+    <p:extLst>
+      <p:ext uri="{BB962C8B-B14F-4D97-AF65-F5344CB8AC3E}">
+        <p14:creationId xmlns:p14="http://schemas.microsoft.com/office/powerpoint/2010/main" val="1314561574"/>
+      </p:ext>
+    </p:extLst>
+  </p:cSld>
+  <p:clrMapOvr>
+    <a:masterClrMapping/>
+  </p:clrMapOvr>
+</p:sld>
+</file>
+
+<file path=ppt/slides/slide14.xml><?xml version="1.0" encoding="utf-8"?>
+<p:sld xmlns:a="http://schemas.openxmlformats.org/drawingml/2006/main" xmlns:r="http://schemas.openxmlformats.org/officeDocument/2006/relationships" xmlns:p="http://schemas.openxmlformats.org/presentationml/2006/main">
+  <p:cSld>
+    <p:spTree>
+      <p:nvGrpSpPr>
+        <p:cNvPr id="1" name=""/>
+        <p:cNvGrpSpPr/>
+        <p:nvPr/>
+      </p:nvGrpSpPr>
+      <p:grpSpPr>
+        <a:xfrm>
+          <a:off x="0" y="0"/>
+          <a:ext cx="0" cy="0"/>
+          <a:chOff x="0" y="0"/>
+          <a:chExt cx="0" cy="0"/>
+        </a:xfrm>
+      </p:grpSpPr>
+      <p:sp>
+        <p:nvSpPr>
+          <p:cNvPr id="2" name="Title 1">
+            <a:extLst>
+              <a:ext uri="{FF2B5EF4-FFF2-40B4-BE49-F238E27FC236}">
+                <a16:creationId xmlns:a16="http://schemas.microsoft.com/office/drawing/2014/main" id="{B945A228-8883-4A06-B2C4-D3060852D873}"/>
+              </a:ext>
+            </a:extLst>
+          </p:cNvPr>
+          <p:cNvSpPr>
+            <a:spLocks noGrp="1"/>
+          </p:cNvSpPr>
+          <p:nvPr>
+            <p:ph type="title"/>
+          </p:nvPr>
+        </p:nvSpPr>
+        <p:spPr/>
+        <p:txBody>
+          <a:bodyPr/>
+          <a:lstStyle/>
+          <a:p>
+            <a:r>
+              <a:rPr lang="en-GB" dirty="0"/>
+              <a:t>Time spend</a:t>
+            </a:r>
+          </a:p>
+        </p:txBody>
+      </p:sp>
+      <p:pic>
+        <p:nvPicPr>
+          <p:cNvPr id="11" name="Picture 10">
+            <a:extLst>
+              <a:ext uri="{FF2B5EF4-FFF2-40B4-BE49-F238E27FC236}">
+                <a16:creationId xmlns:a16="http://schemas.microsoft.com/office/drawing/2014/main" id="{6C9F33C7-6A86-4B5C-B8D3-AEE879B202F3}"/>
+              </a:ext>
+            </a:extLst>
+          </p:cNvPr>
+          <p:cNvPicPr>
+            <a:picLocks noChangeAspect="1"/>
+          </p:cNvPicPr>
+          <p:nvPr/>
+        </p:nvPicPr>
+        <p:blipFill rotWithShape="1">
+          <a:blip r:embed="rId2"/>
+          <a:srcRect b="16574"/>
+          <a:stretch/>
+        </p:blipFill>
+        <p:spPr>
+          <a:xfrm>
+            <a:off x="838200" y="2062766"/>
+            <a:ext cx="10065588" cy="2732468"/>
+          </a:xfrm>
+          <a:prstGeom prst="rect">
+            <a:avLst/>
+          </a:prstGeom>
+        </p:spPr>
+      </p:pic>
+    </p:spTree>
+    <p:extLst>
+      <p:ext uri="{BB962C8B-B14F-4D97-AF65-F5344CB8AC3E}">
+        <p14:creationId xmlns:p14="http://schemas.microsoft.com/office/powerpoint/2010/main" val="2581497618"/>
+      </p:ext>
+    </p:extLst>
+  </p:cSld>
+  <p:clrMapOvr>
+    <a:masterClrMapping/>
+  </p:clrMapOvr>
+</p:sld>
+</file>
+
+<file path=ppt/slides/slide15.xml><?xml version="1.0" encoding="utf-8"?>
+<p:sld xmlns:a="http://schemas.openxmlformats.org/drawingml/2006/main" xmlns:r="http://schemas.openxmlformats.org/officeDocument/2006/relationships" xmlns:p="http://schemas.openxmlformats.org/presentationml/2006/main">
+  <p:cSld>
+    <p:bg>
+      <p:bgPr>
+        <a:solidFill>
+          <a:schemeClr val="bg1"/>
+        </a:solidFill>
+        <a:effectLst/>
+      </p:bgPr>
+    </p:bg>
+    <p:spTree>
+      <p:nvGrpSpPr>
+        <p:cNvPr id="1" name=""/>
+        <p:cNvGrpSpPr/>
+        <p:nvPr/>
+      </p:nvGrpSpPr>
+      <p:grpSpPr>
+        <a:xfrm>
+          <a:off x="0" y="0"/>
+          <a:ext cx="0" cy="0"/>
+          <a:chOff x="0" y="0"/>
+          <a:chExt cx="0" cy="0"/>
+        </a:xfrm>
+      </p:grpSpPr>
+      <p:pic>
+        <p:nvPicPr>
+          <p:cNvPr id="5" name="Picture 4">
+            <a:extLst>
+              <a:ext uri="{FF2B5EF4-FFF2-40B4-BE49-F238E27FC236}">
+                <a16:creationId xmlns:a16="http://schemas.microsoft.com/office/drawing/2014/main" id="{8D99FE7E-427F-4932-AC5B-A16B02D3C3D7}"/>
+              </a:ext>
+            </a:extLst>
+          </p:cNvPr>
+          <p:cNvPicPr>
+            <a:picLocks noChangeAspect="1"/>
+          </p:cNvPicPr>
+          <p:nvPr/>
+        </p:nvPicPr>
+        <p:blipFill rotWithShape="1">
+          <a:blip r:embed="rId2"/>
+          <a:srcRect r="439"/>
+          <a:stretch/>
+        </p:blipFill>
+        <p:spPr>
+          <a:xfrm>
+            <a:off x="673884" y="484632"/>
+            <a:ext cx="3980411" cy="5888737"/>
+          </a:xfrm>
+          <a:prstGeom prst="rect">
+            <a:avLst/>
+          </a:prstGeom>
+        </p:spPr>
+      </p:pic>
+      <p:pic>
+        <p:nvPicPr>
+          <p:cNvPr id="7" name="Picture 6">
+            <a:extLst>
+              <a:ext uri="{FF2B5EF4-FFF2-40B4-BE49-F238E27FC236}">
+                <a16:creationId xmlns:a16="http://schemas.microsoft.com/office/drawing/2014/main" id="{AA62AB8D-AF77-4A34-B25D-5978D0E3FFAD}"/>
+              </a:ext>
+            </a:extLst>
+          </p:cNvPr>
+          <p:cNvPicPr>
+            <a:picLocks noChangeAspect="1"/>
+          </p:cNvPicPr>
+          <p:nvPr/>
+        </p:nvPicPr>
+        <p:blipFill>
+          <a:blip r:embed="rId3"/>
+          <a:stretch>
+            <a:fillRect/>
+          </a:stretch>
+        </p:blipFill>
+        <p:spPr>
+          <a:xfrm>
+            <a:off x="7537707" y="484632"/>
+            <a:ext cx="4247803" cy="5888737"/>
+          </a:xfrm>
+          <a:prstGeom prst="rect">
+            <a:avLst/>
+          </a:prstGeom>
+        </p:spPr>
+      </p:pic>
+    </p:spTree>
+    <p:extLst>
+      <p:ext uri="{BB962C8B-B14F-4D97-AF65-F5344CB8AC3E}">
+        <p14:creationId xmlns:p14="http://schemas.microsoft.com/office/powerpoint/2010/main" val="2599237019"/>
+      </p:ext>
+    </p:extLst>
+  </p:cSld>
+  <p:clrMapOvr>
+    <a:masterClrMapping/>
+  </p:clrMapOvr>
+</p:sld>
+</file>
+
 <file path=ppt/slides/slide2.xml><?xml version="1.0" encoding="utf-8"?>
 <p:sld xmlns:a="http://schemas.openxmlformats.org/drawingml/2006/main" xmlns:r="http://schemas.openxmlformats.org/officeDocument/2006/relationships" xmlns:p="http://schemas.openxmlformats.org/presentationml/2006/main">
   <p:cSld>
@@ -3479,42 +4080,1030 @@
           <a:lstStyle/>
           <a:p>
             <a:r>
-              <a:rPr lang="nl-BE" dirty="0"/>
-              <a:t>Intro</a:t>
-            </a:r>
-            <a:endParaRPr lang="en-BE" dirty="0"/>
-          </a:p>
-        </p:txBody>
-      </p:sp>
-      <p:sp>
-        <p:nvSpPr>
-          <p:cNvPr id="3" name="Content Placeholder 2">
-            <a:extLst>
-              <a:ext uri="{FF2B5EF4-FFF2-40B4-BE49-F238E27FC236}">
-                <a16:creationId xmlns:a16="http://schemas.microsoft.com/office/drawing/2014/main" id="{557F9AF8-28A3-43D8-B167-50B0F7EA2BB6}"/>
-              </a:ext>
-            </a:extLst>
-          </p:cNvPr>
-          <p:cNvSpPr>
-            <a:spLocks noGrp="1"/>
-          </p:cNvSpPr>
+              <a:rPr lang="en-GB"/>
+              <a:t>The plan</a:t>
+            </a:r>
+            <a:endParaRPr lang="en-GB" dirty="0"/>
+          </a:p>
+        </p:txBody>
+      </p:sp>
+      <p:pic>
+        <p:nvPicPr>
+          <p:cNvPr id="5" name="Content Placeholder 4" descr="A picture containing text&#10;&#10;Description automatically generated">
+            <a:extLst>
+              <a:ext uri="{FF2B5EF4-FFF2-40B4-BE49-F238E27FC236}">
+                <a16:creationId xmlns:a16="http://schemas.microsoft.com/office/drawing/2014/main" id="{F8506223-912F-4F52-8134-7A3FA82CB397}"/>
+              </a:ext>
+            </a:extLst>
+          </p:cNvPr>
+          <p:cNvPicPr>
+            <a:picLocks noGrp="1" noChangeAspect="1"/>
+          </p:cNvPicPr>
           <p:nvPr>
             <p:ph idx="1"/>
           </p:nvPr>
-        </p:nvSpPr>
-        <p:spPr/>
-        <p:txBody>
-          <a:bodyPr/>
-          <a:lstStyle/>
-          <a:p>
-            <a:endParaRPr lang="en-BE" dirty="0"/>
-          </a:p>
-        </p:txBody>
-      </p:sp>
+        </p:nvPicPr>
+        <p:blipFill>
+          <a:blip r:embed="rId2">
+            <a:extLst>
+              <a:ext uri="{28A0092B-C50C-407E-A947-70E740481C1C}">
+                <a14:useLocalDpi xmlns:a14="http://schemas.microsoft.com/office/drawing/2010/main" val="0"/>
+              </a:ext>
+            </a:extLst>
+          </a:blip>
+          <a:stretch>
+            <a:fillRect/>
+          </a:stretch>
+        </p:blipFill>
+        <p:spPr>
+          <a:xfrm>
+            <a:off x="2281556" y="1893410"/>
+            <a:ext cx="1647351" cy="1647351"/>
+          </a:xfrm>
+        </p:spPr>
+      </p:pic>
+      <p:pic>
+        <p:nvPicPr>
+          <p:cNvPr id="7" name="Picture 6" descr="Icon&#10;&#10;Description automatically generated">
+            <a:extLst>
+              <a:ext uri="{FF2B5EF4-FFF2-40B4-BE49-F238E27FC236}">
+                <a16:creationId xmlns:a16="http://schemas.microsoft.com/office/drawing/2014/main" id="{32E368D2-0CC6-441A-B2DA-B095A18166C0}"/>
+              </a:ext>
+            </a:extLst>
+          </p:cNvPr>
+          <p:cNvPicPr>
+            <a:picLocks noChangeAspect="1"/>
+          </p:cNvPicPr>
+          <p:nvPr/>
+        </p:nvPicPr>
+        <p:blipFill>
+          <a:blip r:embed="rId3">
+            <a:extLst>
+              <a:ext uri="{28A0092B-C50C-407E-A947-70E740481C1C}">
+                <a14:useLocalDpi xmlns:a14="http://schemas.microsoft.com/office/drawing/2010/main" val="0"/>
+              </a:ext>
+            </a:extLst>
+          </a:blip>
+          <a:stretch>
+            <a:fillRect/>
+          </a:stretch>
+        </p:blipFill>
+        <p:spPr>
+          <a:xfrm>
+            <a:off x="5085715" y="1893410"/>
+            <a:ext cx="1647352" cy="1647352"/>
+          </a:xfrm>
+          <a:prstGeom prst="rect">
+            <a:avLst/>
+          </a:prstGeom>
+        </p:spPr>
+      </p:pic>
+      <p:pic>
+        <p:nvPicPr>
+          <p:cNvPr id="9" name="Picture 8" descr="A close-up of a person's face&#10;&#10;Description automatically generated with medium confidence">
+            <a:extLst>
+              <a:ext uri="{FF2B5EF4-FFF2-40B4-BE49-F238E27FC236}">
+                <a16:creationId xmlns:a16="http://schemas.microsoft.com/office/drawing/2014/main" id="{5C3EECFD-4AC6-4D4A-93D7-4E2EBB6287FA}"/>
+              </a:ext>
+            </a:extLst>
+          </p:cNvPr>
+          <p:cNvPicPr>
+            <a:picLocks noChangeAspect="1"/>
+          </p:cNvPicPr>
+          <p:nvPr/>
+        </p:nvPicPr>
+        <p:blipFill>
+          <a:blip r:embed="rId4">
+            <a:extLst>
+              <a:ext uri="{28A0092B-C50C-407E-A947-70E740481C1C}">
+                <a14:useLocalDpi xmlns:a14="http://schemas.microsoft.com/office/drawing/2010/main" val="0"/>
+              </a:ext>
+            </a:extLst>
+          </a:blip>
+          <a:stretch>
+            <a:fillRect/>
+          </a:stretch>
+        </p:blipFill>
+        <p:spPr>
+          <a:xfrm>
+            <a:off x="7889874" y="1893409"/>
+            <a:ext cx="1647352" cy="1647352"/>
+          </a:xfrm>
+          <a:prstGeom prst="rect">
+            <a:avLst/>
+          </a:prstGeom>
+        </p:spPr>
+      </p:pic>
     </p:spTree>
     <p:extLst>
       <p:ext uri="{BB962C8B-B14F-4D97-AF65-F5344CB8AC3E}">
         <p14:creationId xmlns:p14="http://schemas.microsoft.com/office/powerpoint/2010/main" val="1828127136"/>
+      </p:ext>
+    </p:extLst>
+  </p:cSld>
+  <p:clrMapOvr>
+    <a:masterClrMapping/>
+  </p:clrMapOvr>
+</p:sld>
+</file>
+
+<file path=ppt/slides/slide3.xml><?xml version="1.0" encoding="utf-8"?>
+<p:sld xmlns:a="http://schemas.openxmlformats.org/drawingml/2006/main" xmlns:r="http://schemas.openxmlformats.org/officeDocument/2006/relationships" xmlns:p="http://schemas.openxmlformats.org/presentationml/2006/main">
+  <p:cSld>
+    <p:spTree>
+      <p:nvGrpSpPr>
+        <p:cNvPr id="1" name=""/>
+        <p:cNvGrpSpPr/>
+        <p:nvPr/>
+      </p:nvGrpSpPr>
+      <p:grpSpPr>
+        <a:xfrm>
+          <a:off x="0" y="0"/>
+          <a:ext cx="0" cy="0"/>
+          <a:chOff x="0" y="0"/>
+          <a:chExt cx="0" cy="0"/>
+        </a:xfrm>
+      </p:grpSpPr>
+      <p:sp>
+        <p:nvSpPr>
+          <p:cNvPr id="2" name="Title 1">
+            <a:extLst>
+              <a:ext uri="{FF2B5EF4-FFF2-40B4-BE49-F238E27FC236}">
+                <a16:creationId xmlns:a16="http://schemas.microsoft.com/office/drawing/2014/main" id="{132B93DF-4CC1-41BB-9BB2-2B3DFEACED76}"/>
+              </a:ext>
+            </a:extLst>
+          </p:cNvPr>
+          <p:cNvSpPr>
+            <a:spLocks noGrp="1"/>
+          </p:cNvSpPr>
+          <p:nvPr>
+            <p:ph type="title"/>
+          </p:nvPr>
+        </p:nvSpPr>
+        <p:spPr/>
+        <p:txBody>
+          <a:bodyPr/>
+          <a:lstStyle/>
+          <a:p>
+            <a:r>
+              <a:rPr lang="en-GB"/>
+              <a:t>The plan</a:t>
+            </a:r>
+            <a:endParaRPr lang="en-GB" dirty="0"/>
+          </a:p>
+        </p:txBody>
+      </p:sp>
+      <p:pic>
+        <p:nvPicPr>
+          <p:cNvPr id="5" name="Content Placeholder 4" descr="A picture containing text&#10;&#10;Description automatically generated">
+            <a:extLst>
+              <a:ext uri="{FF2B5EF4-FFF2-40B4-BE49-F238E27FC236}">
+                <a16:creationId xmlns:a16="http://schemas.microsoft.com/office/drawing/2014/main" id="{F8506223-912F-4F52-8134-7A3FA82CB397}"/>
+              </a:ext>
+            </a:extLst>
+          </p:cNvPr>
+          <p:cNvPicPr>
+            <a:picLocks noGrp="1" noChangeAspect="1"/>
+          </p:cNvPicPr>
+          <p:nvPr>
+            <p:ph idx="1"/>
+          </p:nvPr>
+        </p:nvPicPr>
+        <p:blipFill>
+          <a:blip r:embed="rId2">
+            <a:extLst>
+              <a:ext uri="{28A0092B-C50C-407E-A947-70E740481C1C}">
+                <a14:useLocalDpi xmlns:a14="http://schemas.microsoft.com/office/drawing/2010/main" val="0"/>
+              </a:ext>
+            </a:extLst>
+          </a:blip>
+          <a:stretch>
+            <a:fillRect/>
+          </a:stretch>
+        </p:blipFill>
+        <p:spPr>
+          <a:xfrm>
+            <a:off x="2281556" y="1893410"/>
+            <a:ext cx="1647351" cy="1647351"/>
+          </a:xfrm>
+        </p:spPr>
+      </p:pic>
+      <p:pic>
+        <p:nvPicPr>
+          <p:cNvPr id="7" name="Picture 6" descr="Icon&#10;&#10;Description automatically generated">
+            <a:extLst>
+              <a:ext uri="{FF2B5EF4-FFF2-40B4-BE49-F238E27FC236}">
+                <a16:creationId xmlns:a16="http://schemas.microsoft.com/office/drawing/2014/main" id="{32E368D2-0CC6-441A-B2DA-B095A18166C0}"/>
+              </a:ext>
+            </a:extLst>
+          </p:cNvPr>
+          <p:cNvPicPr>
+            <a:picLocks noChangeAspect="1"/>
+          </p:cNvPicPr>
+          <p:nvPr/>
+        </p:nvPicPr>
+        <p:blipFill>
+          <a:blip r:embed="rId3">
+            <a:extLst>
+              <a:ext uri="{28A0092B-C50C-407E-A947-70E740481C1C}">
+                <a14:useLocalDpi xmlns:a14="http://schemas.microsoft.com/office/drawing/2010/main" val="0"/>
+              </a:ext>
+            </a:extLst>
+          </a:blip>
+          <a:stretch>
+            <a:fillRect/>
+          </a:stretch>
+        </p:blipFill>
+        <p:spPr>
+          <a:xfrm>
+            <a:off x="5085715" y="1893410"/>
+            <a:ext cx="1647352" cy="1647352"/>
+          </a:xfrm>
+          <a:prstGeom prst="rect">
+            <a:avLst/>
+          </a:prstGeom>
+        </p:spPr>
+      </p:pic>
+      <p:pic>
+        <p:nvPicPr>
+          <p:cNvPr id="9" name="Picture 8" descr="A close-up of a person's face&#10;&#10;Description automatically generated with medium confidence">
+            <a:extLst>
+              <a:ext uri="{FF2B5EF4-FFF2-40B4-BE49-F238E27FC236}">
+                <a16:creationId xmlns:a16="http://schemas.microsoft.com/office/drawing/2014/main" id="{5C3EECFD-4AC6-4D4A-93D7-4E2EBB6287FA}"/>
+              </a:ext>
+            </a:extLst>
+          </p:cNvPr>
+          <p:cNvPicPr>
+            <a:picLocks noChangeAspect="1"/>
+          </p:cNvPicPr>
+          <p:nvPr/>
+        </p:nvPicPr>
+        <p:blipFill>
+          <a:blip r:embed="rId4">
+            <a:extLst>
+              <a:ext uri="{28A0092B-C50C-407E-A947-70E740481C1C}">
+                <a14:useLocalDpi xmlns:a14="http://schemas.microsoft.com/office/drawing/2010/main" val="0"/>
+              </a:ext>
+            </a:extLst>
+          </a:blip>
+          <a:stretch>
+            <a:fillRect/>
+          </a:stretch>
+        </p:blipFill>
+        <p:spPr>
+          <a:xfrm>
+            <a:off x="7889874" y="1893409"/>
+            <a:ext cx="1647352" cy="1647352"/>
+          </a:xfrm>
+          <a:prstGeom prst="rect">
+            <a:avLst/>
+          </a:prstGeom>
+        </p:spPr>
+      </p:pic>
+      <p:pic>
+        <p:nvPicPr>
+          <p:cNvPr id="11" name="Picture 10" descr="A picture containing text&#10;&#10;Description automatically generated">
+            <a:extLst>
+              <a:ext uri="{FF2B5EF4-FFF2-40B4-BE49-F238E27FC236}">
+                <a16:creationId xmlns:a16="http://schemas.microsoft.com/office/drawing/2014/main" id="{7872EF11-FFCF-433B-975F-BF4DFD6057AA}"/>
+              </a:ext>
+            </a:extLst>
+          </p:cNvPr>
+          <p:cNvPicPr>
+            <a:picLocks noChangeAspect="1"/>
+          </p:cNvPicPr>
+          <p:nvPr/>
+        </p:nvPicPr>
+        <p:blipFill>
+          <a:blip r:embed="rId5">
+            <a:extLst>
+              <a:ext uri="{28A0092B-C50C-407E-A947-70E740481C1C}">
+                <a14:useLocalDpi xmlns:a14="http://schemas.microsoft.com/office/drawing/2010/main" val="0"/>
+              </a:ext>
+            </a:extLst>
+          </a:blip>
+          <a:stretch>
+            <a:fillRect/>
+          </a:stretch>
+        </p:blipFill>
+        <p:spPr>
+          <a:xfrm>
+            <a:off x="6834667" y="4301327"/>
+            <a:ext cx="1647352" cy="1647352"/>
+          </a:xfrm>
+          <a:prstGeom prst="rect">
+            <a:avLst/>
+          </a:prstGeom>
+        </p:spPr>
+      </p:pic>
+      <p:pic>
+        <p:nvPicPr>
+          <p:cNvPr id="13" name="Picture 12" descr="A picture containing text, gear&#10;&#10;Description automatically generated">
+            <a:extLst>
+              <a:ext uri="{FF2B5EF4-FFF2-40B4-BE49-F238E27FC236}">
+                <a16:creationId xmlns:a16="http://schemas.microsoft.com/office/drawing/2014/main" id="{E0CC5316-EF45-4BAC-A96C-C0BB149A460F}"/>
+              </a:ext>
+            </a:extLst>
+          </p:cNvPr>
+          <p:cNvPicPr>
+            <a:picLocks noChangeAspect="1"/>
+          </p:cNvPicPr>
+          <p:nvPr/>
+        </p:nvPicPr>
+        <p:blipFill>
+          <a:blip r:embed="rId6">
+            <a:extLst>
+              <a:ext uri="{28A0092B-C50C-407E-A947-70E740481C1C}">
+                <a14:useLocalDpi xmlns:a14="http://schemas.microsoft.com/office/drawing/2010/main" val="0"/>
+              </a:ext>
+            </a:extLst>
+          </a:blip>
+          <a:stretch>
+            <a:fillRect/>
+          </a:stretch>
+        </p:blipFill>
+        <p:spPr>
+          <a:xfrm>
+            <a:off x="3438365" y="4301329"/>
+            <a:ext cx="1647350" cy="1647350"/>
+          </a:xfrm>
+          <a:prstGeom prst="rect">
+            <a:avLst/>
+          </a:prstGeom>
+        </p:spPr>
+      </p:pic>
+    </p:spTree>
+    <p:extLst>
+      <p:ext uri="{BB962C8B-B14F-4D97-AF65-F5344CB8AC3E}">
+        <p14:creationId xmlns:p14="http://schemas.microsoft.com/office/powerpoint/2010/main" val="812812341"/>
+      </p:ext>
+    </p:extLst>
+  </p:cSld>
+  <p:clrMapOvr>
+    <a:masterClrMapping/>
+  </p:clrMapOvr>
+</p:sld>
+</file>
+
+<file path=ppt/slides/slide4.xml><?xml version="1.0" encoding="utf-8"?>
+<p:sld xmlns:a="http://schemas.openxmlformats.org/drawingml/2006/main" xmlns:r="http://schemas.openxmlformats.org/officeDocument/2006/relationships" xmlns:p="http://schemas.openxmlformats.org/presentationml/2006/main">
+  <p:cSld>
+    <p:spTree>
+      <p:nvGrpSpPr>
+        <p:cNvPr id="1" name=""/>
+        <p:cNvGrpSpPr/>
+        <p:nvPr/>
+      </p:nvGrpSpPr>
+      <p:grpSpPr>
+        <a:xfrm>
+          <a:off x="0" y="0"/>
+          <a:ext cx="0" cy="0"/>
+          <a:chOff x="0" y="0"/>
+          <a:chExt cx="0" cy="0"/>
+        </a:xfrm>
+      </p:grpSpPr>
+      <p:sp>
+        <p:nvSpPr>
+          <p:cNvPr id="2" name="Title 1">
+            <a:extLst>
+              <a:ext uri="{FF2B5EF4-FFF2-40B4-BE49-F238E27FC236}">
+                <a16:creationId xmlns:a16="http://schemas.microsoft.com/office/drawing/2014/main" id="{AA4BDAFD-99F7-467E-AA7B-6C1306C4A0FD}"/>
+              </a:ext>
+            </a:extLst>
+          </p:cNvPr>
+          <p:cNvSpPr>
+            <a:spLocks noGrp="1"/>
+          </p:cNvSpPr>
+          <p:nvPr>
+            <p:ph type="title"/>
+          </p:nvPr>
+        </p:nvSpPr>
+        <p:spPr/>
+        <p:txBody>
+          <a:bodyPr/>
+          <a:lstStyle/>
+          <a:p>
+            <a:r>
+              <a:rPr lang="en-GB" dirty="0"/>
+              <a:t>Why did I do this</a:t>
+            </a:r>
+          </a:p>
+        </p:txBody>
+      </p:sp>
+      <p:sp>
+        <p:nvSpPr>
+          <p:cNvPr id="3" name="Content Placeholder 2">
+            <a:extLst>
+              <a:ext uri="{FF2B5EF4-FFF2-40B4-BE49-F238E27FC236}">
+                <a16:creationId xmlns:a16="http://schemas.microsoft.com/office/drawing/2014/main" id="{EF3B9BC8-E4D8-44DB-A46F-1ED42485832D}"/>
+              </a:ext>
+            </a:extLst>
+          </p:cNvPr>
+          <p:cNvSpPr>
+            <a:spLocks noGrp="1"/>
+          </p:cNvSpPr>
+          <p:nvPr>
+            <p:ph idx="1"/>
+          </p:nvPr>
+        </p:nvSpPr>
+        <p:spPr/>
+        <p:txBody>
+          <a:bodyPr/>
+          <a:lstStyle/>
+          <a:p>
+            <a:r>
+              <a:rPr lang="en-GB" dirty="0"/>
+              <a:t>Incorporating logical predicates useful?</a:t>
+            </a:r>
+          </a:p>
+          <a:p>
+            <a:r>
+              <a:rPr lang="en-GB" dirty="0"/>
+              <a:t>Are we making neural nets smarter?</a:t>
+            </a:r>
+          </a:p>
+          <a:p>
+            <a:r>
+              <a:rPr lang="en-GB" dirty="0"/>
+              <a:t>Faster? How much faster?</a:t>
+            </a:r>
+          </a:p>
+          <a:p>
+            <a:r>
+              <a:rPr lang="en-GB" dirty="0"/>
+              <a:t>Scalable? How much more scalable?</a:t>
+            </a:r>
+          </a:p>
+          <a:p>
+            <a:r>
+              <a:rPr lang="en-GB" dirty="0"/>
+              <a:t>Personal interest</a:t>
+            </a:r>
+          </a:p>
+          <a:p>
+            <a:pPr lvl="1"/>
+            <a:r>
+              <a:rPr lang="en-GB" dirty="0"/>
+              <a:t>Challenge</a:t>
+            </a:r>
+          </a:p>
+          <a:p>
+            <a:pPr lvl="1"/>
+            <a:r>
+              <a:rPr lang="en-GB" dirty="0"/>
+              <a:t>Novel technique</a:t>
+            </a:r>
+          </a:p>
+          <a:p>
+            <a:pPr lvl="1"/>
+            <a:endParaRPr lang="en-GB" dirty="0"/>
+          </a:p>
+        </p:txBody>
+      </p:sp>
+    </p:spTree>
+    <p:extLst>
+      <p:ext uri="{BB962C8B-B14F-4D97-AF65-F5344CB8AC3E}">
+        <p14:creationId xmlns:p14="http://schemas.microsoft.com/office/powerpoint/2010/main" val="3272900608"/>
+      </p:ext>
+    </p:extLst>
+  </p:cSld>
+  <p:clrMapOvr>
+    <a:masterClrMapping/>
+  </p:clrMapOvr>
+</p:sld>
+</file>
+
+<file path=ppt/slides/slide5.xml><?xml version="1.0" encoding="utf-8"?>
+<p:sld xmlns:a="http://schemas.openxmlformats.org/drawingml/2006/main" xmlns:r="http://schemas.openxmlformats.org/officeDocument/2006/relationships" xmlns:p="http://schemas.openxmlformats.org/presentationml/2006/main">
+  <p:cSld>
+    <p:spTree>
+      <p:nvGrpSpPr>
+        <p:cNvPr id="1" name=""/>
+        <p:cNvGrpSpPr/>
+        <p:nvPr/>
+      </p:nvGrpSpPr>
+      <p:grpSpPr>
+        <a:xfrm>
+          <a:off x="0" y="0"/>
+          <a:ext cx="0" cy="0"/>
+          <a:chOff x="0" y="0"/>
+          <a:chExt cx="0" cy="0"/>
+        </a:xfrm>
+      </p:grpSpPr>
+      <p:sp>
+        <p:nvSpPr>
+          <p:cNvPr id="2" name="Title 1">
+            <a:extLst>
+              <a:ext uri="{FF2B5EF4-FFF2-40B4-BE49-F238E27FC236}">
+                <a16:creationId xmlns:a16="http://schemas.microsoft.com/office/drawing/2014/main" id="{C407EEB3-962A-4085-A74A-3E107C0B477A}"/>
+              </a:ext>
+            </a:extLst>
+          </p:cNvPr>
+          <p:cNvSpPr>
+            <a:spLocks noGrp="1"/>
+          </p:cNvSpPr>
+          <p:nvPr>
+            <p:ph type="title"/>
+          </p:nvPr>
+        </p:nvSpPr>
+        <p:spPr>
+          <a:xfrm>
+            <a:off x="838200" y="25760"/>
+            <a:ext cx="10515600" cy="1325563"/>
+          </a:xfrm>
+        </p:spPr>
+        <p:txBody>
+          <a:bodyPr/>
+          <a:lstStyle/>
+          <a:p>
+            <a:r>
+              <a:rPr lang="en-GB" dirty="0"/>
+              <a:t>Implementation</a:t>
+            </a:r>
+          </a:p>
+        </p:txBody>
+      </p:sp>
+      <p:sp>
+        <p:nvSpPr>
+          <p:cNvPr id="3" name="Content Placeholder 2">
+            <a:extLst>
+              <a:ext uri="{FF2B5EF4-FFF2-40B4-BE49-F238E27FC236}">
+                <a16:creationId xmlns:a16="http://schemas.microsoft.com/office/drawing/2014/main" id="{C9D9241E-EB8A-4BC7-A3C3-39FBAA9DC134}"/>
+              </a:ext>
+            </a:extLst>
+          </p:cNvPr>
+          <p:cNvSpPr>
+            <a:spLocks noGrp="1"/>
+          </p:cNvSpPr>
+          <p:nvPr>
+            <p:ph idx="1"/>
+          </p:nvPr>
+        </p:nvSpPr>
+        <p:spPr>
+          <a:xfrm>
+            <a:off x="838200" y="1815542"/>
+            <a:ext cx="10515600" cy="4351338"/>
+          </a:xfrm>
+        </p:spPr>
+        <p:txBody>
+          <a:bodyPr/>
+          <a:lstStyle/>
+          <a:p>
+            <a:r>
+              <a:rPr lang="en-US" dirty="0"/>
+              <a:t>Cross-entropy loss</a:t>
+            </a:r>
+          </a:p>
+          <a:p>
+            <a:r>
+              <a:rPr lang="en-US" dirty="0"/>
+              <a:t>The network architecture: 2 convolutional layers ,followed by 3 linear layers 120, 84 and 3</a:t>
+            </a:r>
+          </a:p>
+          <a:p>
+            <a:r>
+              <a:rPr lang="en-US" dirty="0"/>
+              <a:t>The learning rate 0.0001. </a:t>
+            </a:r>
+          </a:p>
+          <a:p>
+            <a:r>
+              <a:rPr lang="en-US" dirty="0"/>
+              <a:t>Adam optimization for neural networks, SGD for logic parameters</a:t>
+            </a:r>
+            <a:endParaRPr lang="en-GB" dirty="0"/>
+          </a:p>
+        </p:txBody>
+      </p:sp>
+    </p:spTree>
+    <p:extLst>
+      <p:ext uri="{BB962C8B-B14F-4D97-AF65-F5344CB8AC3E}">
+        <p14:creationId xmlns:p14="http://schemas.microsoft.com/office/powerpoint/2010/main" val="3690508256"/>
+      </p:ext>
+    </p:extLst>
+  </p:cSld>
+  <p:clrMapOvr>
+    <a:masterClrMapping/>
+  </p:clrMapOvr>
+</p:sld>
+</file>
+
+<file path=ppt/slides/slide6.xml><?xml version="1.0" encoding="utf-8"?>
+<p:sld xmlns:a="http://schemas.openxmlformats.org/drawingml/2006/main" xmlns:r="http://schemas.openxmlformats.org/officeDocument/2006/relationships" xmlns:p="http://schemas.openxmlformats.org/presentationml/2006/main">
+  <p:cSld>
+    <p:spTree>
+      <p:nvGrpSpPr>
+        <p:cNvPr id="1" name=""/>
+        <p:cNvGrpSpPr/>
+        <p:nvPr/>
+      </p:nvGrpSpPr>
+      <p:grpSpPr>
+        <a:xfrm>
+          <a:off x="0" y="0"/>
+          <a:ext cx="0" cy="0"/>
+          <a:chOff x="0" y="0"/>
+          <a:chExt cx="0" cy="0"/>
+        </a:xfrm>
+      </p:grpSpPr>
+      <p:sp>
+        <p:nvSpPr>
+          <p:cNvPr id="2" name="Title 1">
+            <a:extLst>
+              <a:ext uri="{FF2B5EF4-FFF2-40B4-BE49-F238E27FC236}">
+                <a16:creationId xmlns:a16="http://schemas.microsoft.com/office/drawing/2014/main" id="{C407EEB3-962A-4085-A74A-3E107C0B477A}"/>
+              </a:ext>
+            </a:extLst>
+          </p:cNvPr>
+          <p:cNvSpPr>
+            <a:spLocks noGrp="1"/>
+          </p:cNvSpPr>
+          <p:nvPr>
+            <p:ph type="title"/>
+          </p:nvPr>
+        </p:nvSpPr>
+        <p:spPr>
+          <a:xfrm>
+            <a:off x="838200" y="25760"/>
+            <a:ext cx="10515600" cy="1325563"/>
+          </a:xfrm>
+        </p:spPr>
+        <p:txBody>
+          <a:bodyPr/>
+          <a:lstStyle/>
+          <a:p>
+            <a:r>
+              <a:rPr lang="en-GB" dirty="0"/>
+              <a:t>Results: RPS</a:t>
+            </a:r>
+          </a:p>
+        </p:txBody>
+      </p:sp>
+      <p:pic>
+        <p:nvPicPr>
+          <p:cNvPr id="8" name="Picture 7">
+            <a:extLst>
+              <a:ext uri="{FF2B5EF4-FFF2-40B4-BE49-F238E27FC236}">
+                <a16:creationId xmlns:a16="http://schemas.microsoft.com/office/drawing/2014/main" id="{C44D3B30-1470-4AC6-A66E-8D7DE9EDD790}"/>
+              </a:ext>
+            </a:extLst>
+          </p:cNvPr>
+          <p:cNvPicPr>
+            <a:picLocks noChangeAspect="1"/>
+          </p:cNvPicPr>
+          <p:nvPr/>
+        </p:nvPicPr>
+        <p:blipFill>
+          <a:blip r:embed="rId2"/>
+          <a:stretch>
+            <a:fillRect/>
+          </a:stretch>
+        </p:blipFill>
+        <p:spPr>
+          <a:xfrm>
+            <a:off x="470797" y="852128"/>
+            <a:ext cx="11241696" cy="5853472"/>
+          </a:xfrm>
+          <a:prstGeom prst="rect">
+            <a:avLst/>
+          </a:prstGeom>
+        </p:spPr>
+      </p:pic>
+    </p:spTree>
+    <p:extLst>
+      <p:ext uri="{BB962C8B-B14F-4D97-AF65-F5344CB8AC3E}">
+        <p14:creationId xmlns:p14="http://schemas.microsoft.com/office/powerpoint/2010/main" val="3810750718"/>
+      </p:ext>
+    </p:extLst>
+  </p:cSld>
+  <p:clrMapOvr>
+    <a:masterClrMapping/>
+  </p:clrMapOvr>
+</p:sld>
+</file>
+
+<file path=ppt/slides/slide7.xml><?xml version="1.0" encoding="utf-8"?>
+<p:sld xmlns:a="http://schemas.openxmlformats.org/drawingml/2006/main" xmlns:r="http://schemas.openxmlformats.org/officeDocument/2006/relationships" xmlns:p="http://schemas.openxmlformats.org/presentationml/2006/main">
+  <p:cSld>
+    <p:spTree>
+      <p:nvGrpSpPr>
+        <p:cNvPr id="1" name=""/>
+        <p:cNvGrpSpPr/>
+        <p:nvPr/>
+      </p:nvGrpSpPr>
+      <p:grpSpPr>
+        <a:xfrm>
+          <a:off x="0" y="0"/>
+          <a:ext cx="0" cy="0"/>
+          <a:chOff x="0" y="0"/>
+          <a:chExt cx="0" cy="0"/>
+        </a:xfrm>
+      </p:grpSpPr>
+      <p:sp>
+        <p:nvSpPr>
+          <p:cNvPr id="2" name="Title 1">
+            <a:extLst>
+              <a:ext uri="{FF2B5EF4-FFF2-40B4-BE49-F238E27FC236}">
+                <a16:creationId xmlns:a16="http://schemas.microsoft.com/office/drawing/2014/main" id="{C407EEB3-962A-4085-A74A-3E107C0B477A}"/>
+              </a:ext>
+            </a:extLst>
+          </p:cNvPr>
+          <p:cNvSpPr>
+            <a:spLocks noGrp="1"/>
+          </p:cNvSpPr>
+          <p:nvPr>
+            <p:ph type="title"/>
+          </p:nvPr>
+        </p:nvSpPr>
+        <p:spPr>
+          <a:xfrm>
+            <a:off x="838200" y="25760"/>
+            <a:ext cx="10515600" cy="1325563"/>
+          </a:xfrm>
+        </p:spPr>
+        <p:txBody>
+          <a:bodyPr/>
+          <a:lstStyle/>
+          <a:p>
+            <a:r>
+              <a:rPr lang="en-GB" dirty="0"/>
+              <a:t>Results: RPS</a:t>
+            </a:r>
+          </a:p>
+        </p:txBody>
+      </p:sp>
+      <p:pic>
+        <p:nvPicPr>
+          <p:cNvPr id="8" name="Picture 7">
+            <a:extLst>
+              <a:ext uri="{FF2B5EF4-FFF2-40B4-BE49-F238E27FC236}">
+                <a16:creationId xmlns:a16="http://schemas.microsoft.com/office/drawing/2014/main" id="{C44D3B30-1470-4AC6-A66E-8D7DE9EDD790}"/>
+              </a:ext>
+            </a:extLst>
+          </p:cNvPr>
+          <p:cNvPicPr>
+            <a:picLocks noChangeAspect="1"/>
+          </p:cNvPicPr>
+          <p:nvPr/>
+        </p:nvPicPr>
+        <p:blipFill>
+          <a:blip r:embed="rId2"/>
+          <a:stretch>
+            <a:fillRect/>
+          </a:stretch>
+        </p:blipFill>
+        <p:spPr>
+          <a:xfrm>
+            <a:off x="470797" y="852128"/>
+            <a:ext cx="11241696" cy="5853472"/>
+          </a:xfrm>
+          <a:prstGeom prst="rect">
+            <a:avLst/>
+          </a:prstGeom>
+        </p:spPr>
+      </p:pic>
+      <p:pic>
+        <p:nvPicPr>
+          <p:cNvPr id="4" name="Content Placeholder 6">
+            <a:extLst>
+              <a:ext uri="{FF2B5EF4-FFF2-40B4-BE49-F238E27FC236}">
+                <a16:creationId xmlns:a16="http://schemas.microsoft.com/office/drawing/2014/main" id="{1DF8B20B-0A3F-4140-89D9-6363727180F2}"/>
+              </a:ext>
+            </a:extLst>
+          </p:cNvPr>
+          <p:cNvPicPr>
+            <a:picLocks noGrp="1" noChangeAspect="1"/>
+          </p:cNvPicPr>
+          <p:nvPr>
+            <p:ph idx="1"/>
+          </p:nvPr>
+        </p:nvPicPr>
+        <p:blipFill rotWithShape="1">
+          <a:blip r:embed="rId3"/>
+          <a:srcRect b="61691"/>
+          <a:stretch/>
+        </p:blipFill>
+        <p:spPr>
+          <a:xfrm>
+            <a:off x="116571" y="5287544"/>
+            <a:ext cx="11950148" cy="1233448"/>
+          </a:xfrm>
+        </p:spPr>
+      </p:pic>
+    </p:spTree>
+    <p:extLst>
+      <p:ext uri="{BB962C8B-B14F-4D97-AF65-F5344CB8AC3E}">
+        <p14:creationId xmlns:p14="http://schemas.microsoft.com/office/powerpoint/2010/main" val="178355736"/>
+      </p:ext>
+    </p:extLst>
+  </p:cSld>
+  <p:clrMapOvr>
+    <a:masterClrMapping/>
+  </p:clrMapOvr>
+</p:sld>
+</file>
+
+<file path=ppt/slides/slide8.xml><?xml version="1.0" encoding="utf-8"?>
+<p:sld xmlns:a="http://schemas.openxmlformats.org/drawingml/2006/main" xmlns:r="http://schemas.openxmlformats.org/officeDocument/2006/relationships" xmlns:p="http://schemas.openxmlformats.org/presentationml/2006/main">
+  <p:cSld>
+    <p:spTree>
+      <p:nvGrpSpPr>
+        <p:cNvPr id="1" name=""/>
+        <p:cNvGrpSpPr/>
+        <p:nvPr/>
+      </p:nvGrpSpPr>
+      <p:grpSpPr>
+        <a:xfrm>
+          <a:off x="0" y="0"/>
+          <a:ext cx="0" cy="0"/>
+          <a:chOff x="0" y="0"/>
+          <a:chExt cx="0" cy="0"/>
+        </a:xfrm>
+      </p:grpSpPr>
+      <p:sp>
+        <p:nvSpPr>
+          <p:cNvPr id="2" name="Title 1">
+            <a:extLst>
+              <a:ext uri="{FF2B5EF4-FFF2-40B4-BE49-F238E27FC236}">
+                <a16:creationId xmlns:a16="http://schemas.microsoft.com/office/drawing/2014/main" id="{C407EEB3-962A-4085-A74A-3E107C0B477A}"/>
+              </a:ext>
+            </a:extLst>
+          </p:cNvPr>
+          <p:cNvSpPr>
+            <a:spLocks noGrp="1"/>
+          </p:cNvSpPr>
+          <p:nvPr>
+            <p:ph type="title"/>
+          </p:nvPr>
+        </p:nvSpPr>
+        <p:spPr>
+          <a:xfrm>
+            <a:off x="838200" y="25760"/>
+            <a:ext cx="10515600" cy="1325563"/>
+          </a:xfrm>
+        </p:spPr>
+        <p:txBody>
+          <a:bodyPr/>
+          <a:lstStyle/>
+          <a:p>
+            <a:r>
+              <a:rPr lang="en-GB" dirty="0"/>
+              <a:t>Results: RPS+LS</a:t>
+            </a:r>
+          </a:p>
+        </p:txBody>
+      </p:sp>
+      <p:pic>
+        <p:nvPicPr>
+          <p:cNvPr id="6" name="Content Placeholder 5">
+            <a:extLst>
+              <a:ext uri="{FF2B5EF4-FFF2-40B4-BE49-F238E27FC236}">
+                <a16:creationId xmlns:a16="http://schemas.microsoft.com/office/drawing/2014/main" id="{F413F03B-9182-4442-B0DB-046DCFB67B21}"/>
+              </a:ext>
+            </a:extLst>
+          </p:cNvPr>
+          <p:cNvPicPr>
+            <a:picLocks noGrp="1" noChangeAspect="1"/>
+          </p:cNvPicPr>
+          <p:nvPr>
+            <p:ph idx="1"/>
+          </p:nvPr>
+        </p:nvPicPr>
+        <p:blipFill rotWithShape="1">
+          <a:blip r:embed="rId2"/>
+          <a:srcRect l="2472" r="6727"/>
+          <a:stretch/>
+        </p:blipFill>
+        <p:spPr>
+          <a:xfrm>
+            <a:off x="375920" y="1003920"/>
+            <a:ext cx="8148320" cy="4124901"/>
+          </a:xfrm>
+        </p:spPr>
+      </p:pic>
+    </p:spTree>
+    <p:extLst>
+      <p:ext uri="{BB962C8B-B14F-4D97-AF65-F5344CB8AC3E}">
+        <p14:creationId xmlns:p14="http://schemas.microsoft.com/office/powerpoint/2010/main" val="1678045892"/>
+      </p:ext>
+    </p:extLst>
+  </p:cSld>
+  <p:clrMapOvr>
+    <a:masterClrMapping/>
+  </p:clrMapOvr>
+</p:sld>
+</file>
+
+<file path=ppt/slides/slide9.xml><?xml version="1.0" encoding="utf-8"?>
+<p:sld xmlns:a="http://schemas.openxmlformats.org/drawingml/2006/main" xmlns:r="http://schemas.openxmlformats.org/officeDocument/2006/relationships" xmlns:p="http://schemas.openxmlformats.org/presentationml/2006/main">
+  <p:cSld>
+    <p:spTree>
+      <p:nvGrpSpPr>
+        <p:cNvPr id="1" name=""/>
+        <p:cNvGrpSpPr/>
+        <p:nvPr/>
+      </p:nvGrpSpPr>
+      <p:grpSpPr>
+        <a:xfrm>
+          <a:off x="0" y="0"/>
+          <a:ext cx="0" cy="0"/>
+          <a:chOff x="0" y="0"/>
+          <a:chExt cx="0" cy="0"/>
+        </a:xfrm>
+      </p:grpSpPr>
+      <p:sp>
+        <p:nvSpPr>
+          <p:cNvPr id="2" name="Title 1">
+            <a:extLst>
+              <a:ext uri="{FF2B5EF4-FFF2-40B4-BE49-F238E27FC236}">
+                <a16:creationId xmlns:a16="http://schemas.microsoft.com/office/drawing/2014/main" id="{C407EEB3-962A-4085-A74A-3E107C0B477A}"/>
+              </a:ext>
+            </a:extLst>
+          </p:cNvPr>
+          <p:cNvSpPr>
+            <a:spLocks noGrp="1"/>
+          </p:cNvSpPr>
+          <p:nvPr>
+            <p:ph type="title"/>
+          </p:nvPr>
+        </p:nvSpPr>
+        <p:spPr>
+          <a:xfrm>
+            <a:off x="838200" y="25760"/>
+            <a:ext cx="10515600" cy="1325563"/>
+          </a:xfrm>
+        </p:spPr>
+        <p:txBody>
+          <a:bodyPr/>
+          <a:lstStyle/>
+          <a:p>
+            <a:r>
+              <a:rPr lang="en-GB" dirty="0"/>
+              <a:t>Results: RPS+LS</a:t>
+            </a:r>
+          </a:p>
+        </p:txBody>
+      </p:sp>
+      <p:pic>
+        <p:nvPicPr>
+          <p:cNvPr id="6" name="Content Placeholder 5">
+            <a:extLst>
+              <a:ext uri="{FF2B5EF4-FFF2-40B4-BE49-F238E27FC236}">
+                <a16:creationId xmlns:a16="http://schemas.microsoft.com/office/drawing/2014/main" id="{F413F03B-9182-4442-B0DB-046DCFB67B21}"/>
+              </a:ext>
+            </a:extLst>
+          </p:cNvPr>
+          <p:cNvPicPr>
+            <a:picLocks noGrp="1" noChangeAspect="1"/>
+          </p:cNvPicPr>
+          <p:nvPr>
+            <p:ph idx="1"/>
+          </p:nvPr>
+        </p:nvPicPr>
+        <p:blipFill rotWithShape="1">
+          <a:blip r:embed="rId2"/>
+          <a:srcRect l="2472" r="6727"/>
+          <a:stretch/>
+        </p:blipFill>
+        <p:spPr>
+          <a:xfrm>
+            <a:off x="375920" y="1003920"/>
+            <a:ext cx="8148320" cy="4124901"/>
+          </a:xfrm>
+        </p:spPr>
+      </p:pic>
+      <p:pic>
+        <p:nvPicPr>
+          <p:cNvPr id="8" name="Picture 7">
+            <a:extLst>
+              <a:ext uri="{FF2B5EF4-FFF2-40B4-BE49-F238E27FC236}">
+                <a16:creationId xmlns:a16="http://schemas.microsoft.com/office/drawing/2014/main" id="{62D57ED4-6D45-4B5B-A4A5-384A401703E5}"/>
+              </a:ext>
+            </a:extLst>
+          </p:cNvPr>
+          <p:cNvPicPr>
+            <a:picLocks noChangeAspect="1"/>
+          </p:cNvPicPr>
+          <p:nvPr/>
+        </p:nvPicPr>
+        <p:blipFill rotWithShape="1">
+          <a:blip r:embed="rId3"/>
+          <a:srcRect t="6258" r="3473"/>
+          <a:stretch/>
+        </p:blipFill>
+        <p:spPr>
+          <a:xfrm>
+            <a:off x="4050157" y="2692400"/>
+            <a:ext cx="7908163" cy="3875680"/>
+          </a:xfrm>
+          <a:prstGeom prst="rect">
+            <a:avLst/>
+          </a:prstGeom>
+        </p:spPr>
+      </p:pic>
+    </p:spTree>
+    <p:extLst>
+      <p:ext uri="{BB962C8B-B14F-4D97-AF65-F5344CB8AC3E}">
+        <p14:creationId xmlns:p14="http://schemas.microsoft.com/office/powerpoint/2010/main" val="1147501340"/>
       </p:ext>
     </p:extLst>
   </p:cSld>
